--- a/sd/qa/unit/data/pptx/slidenum_field.pptx
+++ b/sd/qa/unit/data/pptx/slidenum_field.pptx
@@ -107,6 +107,22 @@
       </a:defRPr>
     </a:lvl9pPr>
   </p:defaultTextStyle>
+  <p:extLst>
+    <p:ext uri="{EFAFB233-063F-42B5-8137-9DF3F51BA10A}">
+      <p15:sldGuideLst xmlns:p15="http://schemas.microsoft.com/office/powerpoint/2012/main">
+        <p15:guide id="1" orient="horz" pos="2160">
+          <p15:clr>
+            <a:srgbClr val="A4A3A4"/>
+          </p15:clr>
+        </p15:guide>
+        <p15:guide id="2" pos="2880">
+          <p15:clr>
+            <a:srgbClr val="A4A3A4"/>
+          </p15:clr>
+        </p15:guide>
+      </p15:sldGuideLst>
+    </p:ext>
+  </p:extLst>
 </p:presentation>
 </file>
 
@@ -192,7 +208,7 @@
           <a:p>
             <a:fld id="{B18F3278-EFCC-4264-86E9-624B2A69FB9F}" type="datetimeFigureOut">
               <a:rPr lang="en-US" smtClean="0"/>
-              <a:t>2/1/2016</a:t>
+              <a:t>6/9/2021</a:t>
             </a:fld>
             <a:endParaRPr lang="en-IN"/>
           </a:p>
@@ -258,35 +274,35 @@
           <a:p>
             <a:pPr lvl="0"/>
             <a:r>
-              <a:rPr lang="en-US" smtClean="0"/>
+              <a:rPr lang="en-US"/>
               <a:t>Click to edit Master text styles</a:t>
             </a:r>
           </a:p>
           <a:p>
             <a:pPr lvl="1"/>
             <a:r>
-              <a:rPr lang="en-US" smtClean="0"/>
+              <a:rPr lang="en-US"/>
               <a:t>Second level</a:t>
             </a:r>
           </a:p>
           <a:p>
             <a:pPr lvl="2"/>
             <a:r>
-              <a:rPr lang="en-US" smtClean="0"/>
+              <a:rPr lang="en-US"/>
               <a:t>Third level</a:t>
             </a:r>
           </a:p>
           <a:p>
             <a:pPr lvl="3"/>
             <a:r>
-              <a:rPr lang="en-US" smtClean="0"/>
+              <a:rPr lang="en-US"/>
               <a:t>Fourth level</a:t>
             </a:r>
           </a:p>
           <a:p>
             <a:pPr lvl="4"/>
             <a:r>
-              <a:rPr lang="en-US" smtClean="0"/>
+              <a:rPr lang="en-US"/>
               <a:t>Fifth level</a:t>
             </a:r>
             <a:endParaRPr lang="en-IN"/>
@@ -495,7 +511,7 @@
           <a:lstStyle/>
           <a:p>
             <a:r>
-              <a:rPr lang="en-US" smtClean="0"/>
+              <a:rPr lang="en-US"/>
               <a:t>Click to edit Master title style</a:t>
             </a:r>
             <a:endParaRPr lang="en-IN"/>
@@ -614,7 +630,7 @@
           </a:lstStyle>
           <a:p>
             <a:r>
-              <a:rPr lang="en-US" smtClean="0"/>
+              <a:rPr lang="en-US"/>
               <a:t>Click to edit Master subtitle style</a:t>
             </a:r>
             <a:endParaRPr lang="en-IN"/>
@@ -638,7 +654,7 @@
           <a:p>
             <a:fld id="{8F7F6C23-DC00-4AF1-B656-D0F9ACBCF5CB}" type="datetimeFigureOut">
               <a:rPr lang="en-US" smtClean="0"/>
-              <a:t>2/1/2016</a:t>
+              <a:t>6/9/2021</a:t>
             </a:fld>
             <a:endParaRPr lang="en-IN"/>
           </a:p>
@@ -727,7 +743,7 @@
           <a:lstStyle/>
           <a:p>
             <a:r>
-              <a:rPr lang="en-US" smtClean="0"/>
+              <a:rPr lang="en-US"/>
               <a:t>Click to edit Master title style</a:t>
             </a:r>
             <a:endParaRPr lang="en-IN"/>
@@ -751,35 +767,35 @@
           <a:p>
             <a:pPr lvl="0"/>
             <a:r>
-              <a:rPr lang="en-US" smtClean="0"/>
+              <a:rPr lang="en-US"/>
               <a:t>Click to edit Master text styles</a:t>
             </a:r>
           </a:p>
           <a:p>
             <a:pPr lvl="1"/>
             <a:r>
-              <a:rPr lang="en-US" smtClean="0"/>
+              <a:rPr lang="en-US"/>
               <a:t>Second level</a:t>
             </a:r>
           </a:p>
           <a:p>
             <a:pPr lvl="2"/>
             <a:r>
-              <a:rPr lang="en-US" smtClean="0"/>
+              <a:rPr lang="en-US"/>
               <a:t>Third level</a:t>
             </a:r>
           </a:p>
           <a:p>
             <a:pPr lvl="3"/>
             <a:r>
-              <a:rPr lang="en-US" smtClean="0"/>
+              <a:rPr lang="en-US"/>
               <a:t>Fourth level</a:t>
             </a:r>
           </a:p>
           <a:p>
             <a:pPr lvl="4"/>
             <a:r>
-              <a:rPr lang="en-US" smtClean="0"/>
+              <a:rPr lang="en-US"/>
               <a:t>Fifth level</a:t>
             </a:r>
             <a:endParaRPr lang="en-IN"/>
@@ -803,7 +819,7 @@
           <a:p>
             <a:fld id="{8F7F6C23-DC00-4AF1-B656-D0F9ACBCF5CB}" type="datetimeFigureOut">
               <a:rPr lang="en-US" smtClean="0"/>
-              <a:t>2/1/2016</a:t>
+              <a:t>6/9/2021</a:t>
             </a:fld>
             <a:endParaRPr lang="en-IN"/>
           </a:p>
@@ -897,7 +913,7 @@
           <a:lstStyle/>
           <a:p>
             <a:r>
-              <a:rPr lang="en-US" smtClean="0"/>
+              <a:rPr lang="en-US"/>
               <a:t>Click to edit Master title style</a:t>
             </a:r>
             <a:endParaRPr lang="en-IN"/>
@@ -926,35 +942,35 @@
           <a:p>
             <a:pPr lvl="0"/>
             <a:r>
-              <a:rPr lang="en-US" smtClean="0"/>
+              <a:rPr lang="en-US"/>
               <a:t>Click to edit Master text styles</a:t>
             </a:r>
           </a:p>
           <a:p>
             <a:pPr lvl="1"/>
             <a:r>
-              <a:rPr lang="en-US" smtClean="0"/>
+              <a:rPr lang="en-US"/>
               <a:t>Second level</a:t>
             </a:r>
           </a:p>
           <a:p>
             <a:pPr lvl="2"/>
             <a:r>
-              <a:rPr lang="en-US" smtClean="0"/>
+              <a:rPr lang="en-US"/>
               <a:t>Third level</a:t>
             </a:r>
           </a:p>
           <a:p>
             <a:pPr lvl="3"/>
             <a:r>
-              <a:rPr lang="en-US" smtClean="0"/>
+              <a:rPr lang="en-US"/>
               <a:t>Fourth level</a:t>
             </a:r>
           </a:p>
           <a:p>
             <a:pPr lvl="4"/>
             <a:r>
-              <a:rPr lang="en-US" smtClean="0"/>
+              <a:rPr lang="en-US"/>
               <a:t>Fifth level</a:t>
             </a:r>
             <a:endParaRPr lang="en-IN"/>
@@ -978,7 +994,7 @@
           <a:p>
             <a:fld id="{8F7F6C23-DC00-4AF1-B656-D0F9ACBCF5CB}" type="datetimeFigureOut">
               <a:rPr lang="en-US" smtClean="0"/>
-              <a:t>2/1/2016</a:t>
+              <a:t>6/9/2021</a:t>
             </a:fld>
             <a:endParaRPr lang="en-IN"/>
           </a:p>
@@ -1067,7 +1083,7 @@
           <a:lstStyle/>
           <a:p>
             <a:r>
-              <a:rPr lang="en-US" smtClean="0"/>
+              <a:rPr lang="en-US"/>
               <a:t>Click to edit Master title style</a:t>
             </a:r>
             <a:endParaRPr lang="en-IN"/>
@@ -1091,35 +1107,35 @@
           <a:p>
             <a:pPr lvl="0"/>
             <a:r>
-              <a:rPr lang="en-US" smtClean="0"/>
+              <a:rPr lang="en-US"/>
               <a:t>Click to edit Master text styles</a:t>
             </a:r>
           </a:p>
           <a:p>
             <a:pPr lvl="1"/>
             <a:r>
-              <a:rPr lang="en-US" smtClean="0"/>
+              <a:rPr lang="en-US"/>
               <a:t>Second level</a:t>
             </a:r>
           </a:p>
           <a:p>
             <a:pPr lvl="2"/>
             <a:r>
-              <a:rPr lang="en-US" smtClean="0"/>
+              <a:rPr lang="en-US"/>
               <a:t>Third level</a:t>
             </a:r>
           </a:p>
           <a:p>
             <a:pPr lvl="3"/>
             <a:r>
-              <a:rPr lang="en-US" smtClean="0"/>
+              <a:rPr lang="en-US"/>
               <a:t>Fourth level</a:t>
             </a:r>
           </a:p>
           <a:p>
             <a:pPr lvl="4"/>
             <a:r>
-              <a:rPr lang="en-US" smtClean="0"/>
+              <a:rPr lang="en-US"/>
               <a:t>Fifth level</a:t>
             </a:r>
             <a:endParaRPr lang="en-IN"/>
@@ -1143,7 +1159,7 @@
           <a:p>
             <a:fld id="{8F7F6C23-DC00-4AF1-B656-D0F9ACBCF5CB}" type="datetimeFigureOut">
               <a:rPr lang="en-US" smtClean="0"/>
-              <a:t>2/1/2016</a:t>
+              <a:t>6/9/2021</a:t>
             </a:fld>
             <a:endParaRPr lang="en-IN"/>
           </a:p>
@@ -1241,7 +1257,7 @@
           </a:lstStyle>
           <a:p>
             <a:r>
-              <a:rPr lang="en-US" smtClean="0"/>
+              <a:rPr lang="en-US"/>
               <a:t>Click to edit Master title style</a:t>
             </a:r>
             <a:endParaRPr lang="en-IN"/>
@@ -1361,7 +1377,7 @@
           <a:p>
             <a:pPr lvl="0"/>
             <a:r>
-              <a:rPr lang="en-US" smtClean="0"/>
+              <a:rPr lang="en-US"/>
               <a:t>Click to edit Master text styles</a:t>
             </a:r>
           </a:p>
@@ -1384,7 +1400,7 @@
           <a:p>
             <a:fld id="{8F7F6C23-DC00-4AF1-B656-D0F9ACBCF5CB}" type="datetimeFigureOut">
               <a:rPr lang="en-US" smtClean="0"/>
-              <a:t>2/1/2016</a:t>
+              <a:t>6/9/2021</a:t>
             </a:fld>
             <a:endParaRPr lang="en-IN"/>
           </a:p>
@@ -1473,7 +1489,7 @@
           <a:lstStyle/>
           <a:p>
             <a:r>
-              <a:rPr lang="en-US" smtClean="0"/>
+              <a:rPr lang="en-US"/>
               <a:t>Click to edit Master title style</a:t>
             </a:r>
             <a:endParaRPr lang="en-IN"/>
@@ -1530,35 +1546,35 @@
           <a:p>
             <a:pPr lvl="0"/>
             <a:r>
-              <a:rPr lang="en-US" smtClean="0"/>
+              <a:rPr lang="en-US"/>
               <a:t>Click to edit Master text styles</a:t>
             </a:r>
           </a:p>
           <a:p>
             <a:pPr lvl="1"/>
             <a:r>
-              <a:rPr lang="en-US" smtClean="0"/>
+              <a:rPr lang="en-US"/>
               <a:t>Second level</a:t>
             </a:r>
           </a:p>
           <a:p>
             <a:pPr lvl="2"/>
             <a:r>
-              <a:rPr lang="en-US" smtClean="0"/>
+              <a:rPr lang="en-US"/>
               <a:t>Third level</a:t>
             </a:r>
           </a:p>
           <a:p>
             <a:pPr lvl="3"/>
             <a:r>
-              <a:rPr lang="en-US" smtClean="0"/>
+              <a:rPr lang="en-US"/>
               <a:t>Fourth level</a:t>
             </a:r>
           </a:p>
           <a:p>
             <a:pPr lvl="4"/>
             <a:r>
-              <a:rPr lang="en-US" smtClean="0"/>
+              <a:rPr lang="en-US"/>
               <a:t>Fifth level</a:t>
             </a:r>
             <a:endParaRPr lang="en-IN"/>
@@ -1615,35 +1631,35 @@
           <a:p>
             <a:pPr lvl="0"/>
             <a:r>
-              <a:rPr lang="en-US" smtClean="0"/>
+              <a:rPr lang="en-US"/>
               <a:t>Click to edit Master text styles</a:t>
             </a:r>
           </a:p>
           <a:p>
             <a:pPr lvl="1"/>
             <a:r>
-              <a:rPr lang="en-US" smtClean="0"/>
+              <a:rPr lang="en-US"/>
               <a:t>Second level</a:t>
             </a:r>
           </a:p>
           <a:p>
             <a:pPr lvl="2"/>
             <a:r>
-              <a:rPr lang="en-US" smtClean="0"/>
+              <a:rPr lang="en-US"/>
               <a:t>Third level</a:t>
             </a:r>
           </a:p>
           <a:p>
             <a:pPr lvl="3"/>
             <a:r>
-              <a:rPr lang="en-US" smtClean="0"/>
+              <a:rPr lang="en-US"/>
               <a:t>Fourth level</a:t>
             </a:r>
           </a:p>
           <a:p>
             <a:pPr lvl="4"/>
             <a:r>
-              <a:rPr lang="en-US" smtClean="0"/>
+              <a:rPr lang="en-US"/>
               <a:t>Fifth level</a:t>
             </a:r>
             <a:endParaRPr lang="en-IN"/>
@@ -1667,7 +1683,7 @@
           <a:p>
             <a:fld id="{8F7F6C23-DC00-4AF1-B656-D0F9ACBCF5CB}" type="datetimeFigureOut">
               <a:rPr lang="en-US" smtClean="0"/>
-              <a:t>2/1/2016</a:t>
+              <a:t>6/9/2021</a:t>
             </a:fld>
             <a:endParaRPr lang="en-IN"/>
           </a:p>
@@ -1760,7 +1776,7 @@
           </a:lstStyle>
           <a:p>
             <a:r>
-              <a:rPr lang="en-US" smtClean="0"/>
+              <a:rPr lang="en-US"/>
               <a:t>Click to edit Master title style</a:t>
             </a:r>
             <a:endParaRPr lang="en-IN"/>
@@ -1826,7 +1842,7 @@
           <a:p>
             <a:pPr lvl="0"/>
             <a:r>
-              <a:rPr lang="en-US" smtClean="0"/>
+              <a:rPr lang="en-US"/>
               <a:t>Click to edit Master text styles</a:t>
             </a:r>
           </a:p>
@@ -1882,35 +1898,35 @@
           <a:p>
             <a:pPr lvl="0"/>
             <a:r>
-              <a:rPr lang="en-US" smtClean="0"/>
+              <a:rPr lang="en-US"/>
               <a:t>Click to edit Master text styles</a:t>
             </a:r>
           </a:p>
           <a:p>
             <a:pPr lvl="1"/>
             <a:r>
-              <a:rPr lang="en-US" smtClean="0"/>
+              <a:rPr lang="en-US"/>
               <a:t>Second level</a:t>
             </a:r>
           </a:p>
           <a:p>
             <a:pPr lvl="2"/>
             <a:r>
-              <a:rPr lang="en-US" smtClean="0"/>
+              <a:rPr lang="en-US"/>
               <a:t>Third level</a:t>
             </a:r>
           </a:p>
           <a:p>
             <a:pPr lvl="3"/>
             <a:r>
-              <a:rPr lang="en-US" smtClean="0"/>
+              <a:rPr lang="en-US"/>
               <a:t>Fourth level</a:t>
             </a:r>
           </a:p>
           <a:p>
             <a:pPr lvl="4"/>
             <a:r>
-              <a:rPr lang="en-US" smtClean="0"/>
+              <a:rPr lang="en-US"/>
               <a:t>Fifth level</a:t>
             </a:r>
             <a:endParaRPr lang="en-IN"/>
@@ -1976,7 +1992,7 @@
           <a:p>
             <a:pPr lvl="0"/>
             <a:r>
-              <a:rPr lang="en-US" smtClean="0"/>
+              <a:rPr lang="en-US"/>
               <a:t>Click to edit Master text styles</a:t>
             </a:r>
           </a:p>
@@ -2032,35 +2048,35 @@
           <a:p>
             <a:pPr lvl="0"/>
             <a:r>
-              <a:rPr lang="en-US" smtClean="0"/>
+              <a:rPr lang="en-US"/>
               <a:t>Click to edit Master text styles</a:t>
             </a:r>
           </a:p>
           <a:p>
             <a:pPr lvl="1"/>
             <a:r>
-              <a:rPr lang="en-US" smtClean="0"/>
+              <a:rPr lang="en-US"/>
               <a:t>Second level</a:t>
             </a:r>
           </a:p>
           <a:p>
             <a:pPr lvl="2"/>
             <a:r>
-              <a:rPr lang="en-US" smtClean="0"/>
+              <a:rPr lang="en-US"/>
               <a:t>Third level</a:t>
             </a:r>
           </a:p>
           <a:p>
             <a:pPr lvl="3"/>
             <a:r>
-              <a:rPr lang="en-US" smtClean="0"/>
+              <a:rPr lang="en-US"/>
               <a:t>Fourth level</a:t>
             </a:r>
           </a:p>
           <a:p>
             <a:pPr lvl="4"/>
             <a:r>
-              <a:rPr lang="en-US" smtClean="0"/>
+              <a:rPr lang="en-US"/>
               <a:t>Fifth level</a:t>
             </a:r>
             <a:endParaRPr lang="en-IN"/>
@@ -2084,7 +2100,7 @@
           <a:p>
             <a:fld id="{8F7F6C23-DC00-4AF1-B656-D0F9ACBCF5CB}" type="datetimeFigureOut">
               <a:rPr lang="en-US" smtClean="0"/>
-              <a:t>2/1/2016</a:t>
+              <a:t>6/9/2021</a:t>
             </a:fld>
             <a:endParaRPr lang="en-IN"/>
           </a:p>
@@ -2173,7 +2189,7 @@
           <a:lstStyle/>
           <a:p>
             <a:r>
-              <a:rPr lang="en-US" smtClean="0"/>
+              <a:rPr lang="en-US"/>
               <a:t>Click to edit Master title style</a:t>
             </a:r>
             <a:endParaRPr lang="en-IN"/>
@@ -2197,7 +2213,7 @@
           <a:p>
             <a:fld id="{8F7F6C23-DC00-4AF1-B656-D0F9ACBCF5CB}" type="datetimeFigureOut">
               <a:rPr lang="en-US" smtClean="0"/>
-              <a:t>2/1/2016</a:t>
+              <a:t>6/9/2021</a:t>
             </a:fld>
             <a:endParaRPr lang="en-IN"/>
           </a:p>
@@ -2287,7 +2303,7 @@
           <a:p>
             <a:fld id="{8F7F6C23-DC00-4AF1-B656-D0F9ACBCF5CB}" type="datetimeFigureOut">
               <a:rPr lang="en-US" smtClean="0"/>
-              <a:t>2/1/2016</a:t>
+              <a:t>6/9/2021</a:t>
             </a:fld>
             <a:endParaRPr lang="en-IN"/>
           </a:p>
@@ -2385,7 +2401,7 @@
           </a:lstStyle>
           <a:p>
             <a:r>
-              <a:rPr lang="en-US" smtClean="0"/>
+              <a:rPr lang="en-US"/>
               <a:t>Click to edit Master title style</a:t>
             </a:r>
             <a:endParaRPr lang="en-IN"/>
@@ -2442,35 +2458,35 @@
           <a:p>
             <a:pPr lvl="0"/>
             <a:r>
-              <a:rPr lang="en-US" smtClean="0"/>
+              <a:rPr lang="en-US"/>
               <a:t>Click to edit Master text styles</a:t>
             </a:r>
           </a:p>
           <a:p>
             <a:pPr lvl="1"/>
             <a:r>
-              <a:rPr lang="en-US" smtClean="0"/>
+              <a:rPr lang="en-US"/>
               <a:t>Second level</a:t>
             </a:r>
           </a:p>
           <a:p>
             <a:pPr lvl="2"/>
             <a:r>
-              <a:rPr lang="en-US" smtClean="0"/>
+              <a:rPr lang="en-US"/>
               <a:t>Third level</a:t>
             </a:r>
           </a:p>
           <a:p>
             <a:pPr lvl="3"/>
             <a:r>
-              <a:rPr lang="en-US" smtClean="0"/>
+              <a:rPr lang="en-US"/>
               <a:t>Fourth level</a:t>
             </a:r>
           </a:p>
           <a:p>
             <a:pPr lvl="4"/>
             <a:r>
-              <a:rPr lang="en-US" smtClean="0"/>
+              <a:rPr lang="en-US"/>
               <a:t>Fifth level</a:t>
             </a:r>
             <a:endParaRPr lang="en-IN"/>
@@ -2536,7 +2552,7 @@
           <a:p>
             <a:pPr lvl="0"/>
             <a:r>
-              <a:rPr lang="en-US" smtClean="0"/>
+              <a:rPr lang="en-US"/>
               <a:t>Click to edit Master text styles</a:t>
             </a:r>
           </a:p>
@@ -2559,7 +2575,7 @@
           <a:p>
             <a:fld id="{8F7F6C23-DC00-4AF1-B656-D0F9ACBCF5CB}" type="datetimeFigureOut">
               <a:rPr lang="en-US" smtClean="0"/>
-              <a:t>2/1/2016</a:t>
+              <a:t>6/9/2021</a:t>
             </a:fld>
             <a:endParaRPr lang="en-IN"/>
           </a:p>
@@ -2657,7 +2673,7 @@
           </a:lstStyle>
           <a:p>
             <a:r>
-              <a:rPr lang="en-US" smtClean="0"/>
+              <a:rPr lang="en-US"/>
               <a:t>Click to edit Master title style</a:t>
             </a:r>
             <a:endParaRPr lang="en-IN"/>
@@ -2784,7 +2800,7 @@
           <a:p>
             <a:pPr lvl="0"/>
             <a:r>
-              <a:rPr lang="en-US" smtClean="0"/>
+              <a:rPr lang="en-US"/>
               <a:t>Click to edit Master text styles</a:t>
             </a:r>
           </a:p>
@@ -2807,7 +2823,7 @@
           <a:p>
             <a:fld id="{8F7F6C23-DC00-4AF1-B656-D0F9ACBCF5CB}" type="datetimeFigureOut">
               <a:rPr lang="en-US" smtClean="0"/>
-              <a:t>2/1/2016</a:t>
+              <a:t>6/9/2021</a:t>
             </a:fld>
             <a:endParaRPr lang="en-IN"/>
           </a:p>
@@ -2911,7 +2927,7 @@
           <a:lstStyle/>
           <a:p>
             <a:r>
-              <a:rPr lang="en-US" smtClean="0"/>
+              <a:rPr lang="en-US"/>
               <a:t>Click to edit Master title style</a:t>
             </a:r>
             <a:endParaRPr lang="en-IN"/>
@@ -2945,35 +2961,35 @@
           <a:p>
             <a:pPr lvl="0"/>
             <a:r>
-              <a:rPr lang="en-US" smtClean="0"/>
+              <a:rPr lang="en-US"/>
               <a:t>Click to edit Master text styles</a:t>
             </a:r>
           </a:p>
           <a:p>
             <a:pPr lvl="1"/>
             <a:r>
-              <a:rPr lang="en-US" smtClean="0"/>
+              <a:rPr lang="en-US"/>
               <a:t>Second level</a:t>
             </a:r>
           </a:p>
           <a:p>
             <a:pPr lvl="2"/>
             <a:r>
-              <a:rPr lang="en-US" smtClean="0"/>
+              <a:rPr lang="en-US"/>
               <a:t>Third level</a:t>
             </a:r>
           </a:p>
           <a:p>
             <a:pPr lvl="3"/>
             <a:r>
-              <a:rPr lang="en-US" smtClean="0"/>
+              <a:rPr lang="en-US"/>
               <a:t>Fourth level</a:t>
             </a:r>
           </a:p>
           <a:p>
             <a:pPr lvl="4"/>
             <a:r>
-              <a:rPr lang="en-US" smtClean="0"/>
+              <a:rPr lang="en-US"/>
               <a:t>Fifth level</a:t>
             </a:r>
             <a:endParaRPr lang="en-IN"/>
@@ -3015,7 +3031,7 @@
           <a:p>
             <a:fld id="{8F7F6C23-DC00-4AF1-B656-D0F9ACBCF5CB}" type="datetimeFigureOut">
               <a:rPr lang="en-US" smtClean="0"/>
-              <a:t>2/1/2016</a:t>
+              <a:t>6/9/2021</a:t>
             </a:fld>
             <a:endParaRPr lang="en-IN"/>
           </a:p>
@@ -3387,21 +3403,130 @@
       </p:grpSpPr>
       <p:sp>
         <p:nvSpPr>
-          <p:cNvPr id="4" name="Slide Number Placeholder 3"/>
-          <p:cNvSpPr>
-            <a:spLocks noGrp="1"/>
-          </p:cNvSpPr>
-          <p:nvPr>
-            <p:ph type="sldNum" sz="quarter" idx="12"/>
-          </p:nvPr>
-        </p:nvSpPr>
-        <p:spPr/>
-        <p:txBody>
-          <a:bodyPr/>
-          <a:lstStyle/>
+          <p:cNvPr id="3" name="Slide Number Placeholder 3">
+            <a:extLst>
+              <a:ext uri="{FF2B5EF4-FFF2-40B4-BE49-F238E27FC236}">
+                <a16:creationId xmlns:a16="http://schemas.microsoft.com/office/drawing/2014/main" id="{D25DD5E1-7EB6-4523-897A-FB1979A6690C}"/>
+              </a:ext>
+            </a:extLst>
+          </p:cNvPr>
+          <p:cNvSpPr txBox="1">
+            <a:spLocks/>
+          </p:cNvSpPr>
+          <p:nvPr/>
+        </p:nvSpPr>
+        <p:spPr>
+          <a:xfrm>
+            <a:off x="6553200" y="5983449"/>
+            <a:ext cx="2133600" cy="365125"/>
+          </a:xfrm>
+          <a:prstGeom prst="rect">
+            <a:avLst/>
+          </a:prstGeom>
+        </p:spPr>
+        <p:txBody>
+          <a:bodyPr vert="horz" lIns="91440" tIns="45720" rIns="91440" bIns="45720" rtlCol="0" anchor="ctr"/>
+          <a:lstStyle>
+            <a:defPPr>
+              <a:defRPr lang="en-US"/>
+            </a:defPPr>
+            <a:lvl1pPr marL="0" algn="r" defTabSz="914400" rtl="0" eaLnBrk="1" latinLnBrk="0" hangingPunct="1">
+              <a:defRPr sz="1200" kern="1200">
+                <a:solidFill>
+                  <a:schemeClr val="tx1">
+                    <a:tint val="75000"/>
+                  </a:schemeClr>
+                </a:solidFill>
+                <a:latin typeface="+mn-lt"/>
+                <a:ea typeface="+mn-ea"/>
+                <a:cs typeface="+mn-cs"/>
+              </a:defRPr>
+            </a:lvl1pPr>
+            <a:lvl2pPr marL="457200" algn="l" defTabSz="914400" rtl="0" eaLnBrk="1" latinLnBrk="0" hangingPunct="1">
+              <a:defRPr sz="1800" kern="1200">
+                <a:solidFill>
+                  <a:schemeClr val="tx1"/>
+                </a:solidFill>
+                <a:latin typeface="+mn-lt"/>
+                <a:ea typeface="+mn-ea"/>
+                <a:cs typeface="+mn-cs"/>
+              </a:defRPr>
+            </a:lvl2pPr>
+            <a:lvl3pPr marL="914400" algn="l" defTabSz="914400" rtl="0" eaLnBrk="1" latinLnBrk="0" hangingPunct="1">
+              <a:defRPr sz="1800" kern="1200">
+                <a:solidFill>
+                  <a:schemeClr val="tx1"/>
+                </a:solidFill>
+                <a:latin typeface="+mn-lt"/>
+                <a:ea typeface="+mn-ea"/>
+                <a:cs typeface="+mn-cs"/>
+              </a:defRPr>
+            </a:lvl3pPr>
+            <a:lvl4pPr marL="1371600" algn="l" defTabSz="914400" rtl="0" eaLnBrk="1" latinLnBrk="0" hangingPunct="1">
+              <a:defRPr sz="1800" kern="1200">
+                <a:solidFill>
+                  <a:schemeClr val="tx1"/>
+                </a:solidFill>
+                <a:latin typeface="+mn-lt"/>
+                <a:ea typeface="+mn-ea"/>
+                <a:cs typeface="+mn-cs"/>
+              </a:defRPr>
+            </a:lvl4pPr>
+            <a:lvl5pPr marL="1828800" algn="l" defTabSz="914400" rtl="0" eaLnBrk="1" latinLnBrk="0" hangingPunct="1">
+              <a:defRPr sz="1800" kern="1200">
+                <a:solidFill>
+                  <a:schemeClr val="tx1"/>
+                </a:solidFill>
+                <a:latin typeface="+mn-lt"/>
+                <a:ea typeface="+mn-ea"/>
+                <a:cs typeface="+mn-cs"/>
+              </a:defRPr>
+            </a:lvl5pPr>
+            <a:lvl6pPr marL="2286000" algn="l" defTabSz="914400" rtl="0" eaLnBrk="1" latinLnBrk="0" hangingPunct="1">
+              <a:defRPr sz="1800" kern="1200">
+                <a:solidFill>
+                  <a:schemeClr val="tx1"/>
+                </a:solidFill>
+                <a:latin typeface="+mn-lt"/>
+                <a:ea typeface="+mn-ea"/>
+                <a:cs typeface="+mn-cs"/>
+              </a:defRPr>
+            </a:lvl6pPr>
+            <a:lvl7pPr marL="2743200" algn="l" defTabSz="914400" rtl="0" eaLnBrk="1" latinLnBrk="0" hangingPunct="1">
+              <a:defRPr sz="1800" kern="1200">
+                <a:solidFill>
+                  <a:schemeClr val="tx1"/>
+                </a:solidFill>
+                <a:latin typeface="+mn-lt"/>
+                <a:ea typeface="+mn-ea"/>
+                <a:cs typeface="+mn-cs"/>
+              </a:defRPr>
+            </a:lvl7pPr>
+            <a:lvl8pPr marL="3200400" algn="l" defTabSz="914400" rtl="0" eaLnBrk="1" latinLnBrk="0" hangingPunct="1">
+              <a:defRPr sz="1800" kern="1200">
+                <a:solidFill>
+                  <a:schemeClr val="tx1"/>
+                </a:solidFill>
+                <a:latin typeface="+mn-lt"/>
+                <a:ea typeface="+mn-ea"/>
+                <a:cs typeface="+mn-cs"/>
+              </a:defRPr>
+            </a:lvl8pPr>
+            <a:lvl9pPr marL="3657600" algn="l" defTabSz="914400" rtl="0" eaLnBrk="1" latinLnBrk="0" hangingPunct="1">
+              <a:defRPr sz="1800" kern="1200">
+                <a:solidFill>
+                  <a:schemeClr val="tx1"/>
+                </a:solidFill>
+                <a:latin typeface="+mn-lt"/>
+                <a:ea typeface="+mn-ea"/>
+                <a:cs typeface="+mn-cs"/>
+              </a:defRPr>
+            </a:lvl9pPr>
+          </a:lstStyle>
           <a:p>
             <a:fld id="{CB3A74A8-71D9-4EBE-8591-20FA061E9A23}" type="slidenum">
               <a:rPr lang="en-IN" smtClean="0"/>
+              <a:pPr/>
               <a:t>1</a:t>
             </a:fld>
             <a:endParaRPr lang="en-IN"/>
